--- a/Python Scripts/anaconda 설치방법.pptx
+++ b/Python Scripts/anaconda 설치방법.pptx
@@ -254,7 +254,7 @@
           <a:p>
             <a:fld id="{04E9EF5B-7ED5-4809-96D0-25C829387D8D}" type="datetimeFigureOut">
               <a:rPr lang="ko-KR" altLang="en-US" smtClean="0"/>
-              <a:t>2022-01-22</a:t>
+              <a:t>2023-10-09</a:t>
             </a:fld>
             <a:endParaRPr lang="ko-KR" altLang="en-US"/>
           </a:p>
@@ -422,7 +422,7 @@
           <a:p>
             <a:fld id="{04E9EF5B-7ED5-4809-96D0-25C829387D8D}" type="datetimeFigureOut">
               <a:rPr lang="ko-KR" altLang="en-US" smtClean="0"/>
-              <a:t>2022-01-22</a:t>
+              <a:t>2023-10-09</a:t>
             </a:fld>
             <a:endParaRPr lang="ko-KR" altLang="en-US"/>
           </a:p>
@@ -600,7 +600,7 @@
           <a:p>
             <a:fld id="{04E9EF5B-7ED5-4809-96D0-25C829387D8D}" type="datetimeFigureOut">
               <a:rPr lang="ko-KR" altLang="en-US" smtClean="0"/>
-              <a:t>2022-01-22</a:t>
+              <a:t>2023-10-09</a:t>
             </a:fld>
             <a:endParaRPr lang="ko-KR" altLang="en-US"/>
           </a:p>
@@ -806,7 +806,7 @@
           <a:p>
             <a:fld id="{04E9EF5B-7ED5-4809-96D0-25C829387D8D}" type="datetimeFigureOut">
               <a:rPr lang="ko-KR" altLang="en-US" smtClean="0"/>
-              <a:t>2022-01-22</a:t>
+              <a:t>2023-10-09</a:t>
             </a:fld>
             <a:endParaRPr lang="ko-KR" altLang="en-US"/>
           </a:p>
@@ -1056,7 +1056,7 @@
           <a:p>
             <a:fld id="{04E9EF5B-7ED5-4809-96D0-25C829387D8D}" type="datetimeFigureOut">
               <a:rPr lang="ko-KR" altLang="en-US" smtClean="0"/>
-              <a:t>2022-01-22</a:t>
+              <a:t>2023-10-09</a:t>
             </a:fld>
             <a:endParaRPr lang="ko-KR" altLang="en-US"/>
           </a:p>
@@ -1354,7 +1354,7 @@
           <a:p>
             <a:fld id="{04E9EF5B-7ED5-4809-96D0-25C829387D8D}" type="datetimeFigureOut">
               <a:rPr lang="ko-KR" altLang="en-US" smtClean="0"/>
-              <a:t>2022-01-22</a:t>
+              <a:t>2023-10-09</a:t>
             </a:fld>
             <a:endParaRPr lang="ko-KR" altLang="en-US"/>
           </a:p>
@@ -1793,7 +1793,7 @@
           <a:p>
             <a:fld id="{04E9EF5B-7ED5-4809-96D0-25C829387D8D}" type="datetimeFigureOut">
               <a:rPr lang="ko-KR" altLang="en-US" smtClean="0"/>
-              <a:t>2022-01-22</a:t>
+              <a:t>2023-10-09</a:t>
             </a:fld>
             <a:endParaRPr lang="ko-KR" altLang="en-US"/>
           </a:p>
@@ -1910,7 +1910,7 @@
           <a:p>
             <a:fld id="{04E9EF5B-7ED5-4809-96D0-25C829387D8D}" type="datetimeFigureOut">
               <a:rPr lang="ko-KR" altLang="en-US" smtClean="0"/>
-              <a:t>2022-01-22</a:t>
+              <a:t>2023-10-09</a:t>
             </a:fld>
             <a:endParaRPr lang="ko-KR" altLang="en-US"/>
           </a:p>
@@ -2005,7 +2005,7 @@
           <a:p>
             <a:fld id="{04E9EF5B-7ED5-4809-96D0-25C829387D8D}" type="datetimeFigureOut">
               <a:rPr lang="ko-KR" altLang="en-US" smtClean="0"/>
-              <a:t>2022-01-22</a:t>
+              <a:t>2023-10-09</a:t>
             </a:fld>
             <a:endParaRPr lang="ko-KR" altLang="en-US"/>
           </a:p>
@@ -2280,7 +2280,7 @@
           <a:p>
             <a:fld id="{04E9EF5B-7ED5-4809-96D0-25C829387D8D}" type="datetimeFigureOut">
               <a:rPr lang="ko-KR" altLang="en-US" smtClean="0"/>
-              <a:t>2022-01-22</a:t>
+              <a:t>2023-10-09</a:t>
             </a:fld>
             <a:endParaRPr lang="ko-KR" altLang="en-US"/>
           </a:p>
@@ -2532,7 +2532,7 @@
           <a:p>
             <a:fld id="{04E9EF5B-7ED5-4809-96D0-25C829387D8D}" type="datetimeFigureOut">
               <a:rPr lang="ko-KR" altLang="en-US" smtClean="0"/>
-              <a:t>2022-01-22</a:t>
+              <a:t>2023-10-09</a:t>
             </a:fld>
             <a:endParaRPr lang="ko-KR" altLang="en-US"/>
           </a:p>
@@ -2743,7 +2743,7 @@
           <a:p>
             <a:fld id="{04E9EF5B-7ED5-4809-96D0-25C829387D8D}" type="datetimeFigureOut">
               <a:rPr lang="ko-KR" altLang="en-US" smtClean="0"/>
-              <a:t>2022-01-22</a:t>
+              <a:t>2023-10-09</a:t>
             </a:fld>
             <a:endParaRPr lang="ko-KR" altLang="en-US"/>
           </a:p>
@@ -4307,13 +4307,26 @@
               <a:t>를 통한 </a:t>
             </a:r>
             <a:r>
-              <a:rPr lang="en-US" altLang="ko-KR" sz="3600" dirty="0"/>
+              <a:rPr lang="en-US" altLang="ko-KR" sz="3600"/>
               <a:t>Python </a:t>
             </a:r>
             <a:r>
-              <a:rPr lang="ko-KR" altLang="en-US" sz="3600" dirty="0"/>
-              <a:t>설치</a:t>
-            </a:r>
+              <a:rPr lang="ko-KR" altLang="en-US" sz="3600"/>
+              <a:t>설치 </a:t>
+            </a:r>
+            <a:r>
+              <a:rPr lang="en-US" altLang="ko-KR" sz="3600"/>
+              <a:t>(</a:t>
+            </a:r>
+            <a:r>
+              <a:rPr lang="ko-KR" altLang="en-US" sz="3600"/>
+              <a:t>혹은 </a:t>
+            </a:r>
+            <a:r>
+              <a:rPr lang="en-US" altLang="ko-KR" sz="3600"/>
+              <a:t>Miniconda)</a:t>
+            </a:r>
+            <a:endParaRPr lang="ko-KR" altLang="en-US" sz="3600" dirty="0"/>
           </a:p>
         </p:txBody>
       </p:sp>
@@ -4335,23 +4348,27 @@
         </p:spPr>
         <p:txBody>
           <a:bodyPr>
-            <a:normAutofit/>
+            <a:normAutofit lnSpcReduction="10000"/>
           </a:bodyPr>
           <a:lstStyle/>
           <a:p>
             <a:r>
-              <a:rPr lang="en-US" altLang="ko-KR" sz="2000" dirty="0">
+              <a:rPr lang="en-US" altLang="ko-KR" sz="2000">
                 <a:hlinkClick r:id="rId2"/>
               </a:rPr>
-              <a:t>https://www.anaconda.com/products/individual</a:t>
-            </a:r>
-            <a:r>
-              <a:rPr lang="en-US" altLang="ko-KR" sz="2000" dirty="0"/>
+              <a:t>https://www.anaconda.com/download</a:t>
+            </a:r>
+            <a:r>
+              <a:rPr lang="en-US" altLang="ko-KR" sz="2000"/>
               <a:t> </a:t>
             </a:r>
             <a:r>
+              <a:rPr lang="ko-KR" altLang="en-US" sz="2000"/>
+              <a:t>에서 </a:t>
+            </a:r>
+            <a:r>
               <a:rPr lang="ko-KR" altLang="en-US" sz="2000" dirty="0"/>
-              <a:t>에서 운영체제에 맞는 걸 선택</a:t>
+              <a:t>운영체제에 맞는 걸 선택</a:t>
             </a:r>
             <a:endParaRPr lang="en-US" altLang="ko-KR" sz="2000" dirty="0"/>
           </a:p>
@@ -4367,9 +4384,13 @@
             </a:r>
             <a:r>
               <a:rPr lang="ko-KR" altLang="en-US" sz="1600" dirty="0"/>
-              <a:t>를 기준으로 설명</a:t>
-            </a:r>
-            <a:endParaRPr lang="en-US" altLang="ko-KR" sz="1600" dirty="0"/>
+              <a:t>를 </a:t>
+            </a:r>
+            <a:r>
+              <a:rPr lang="ko-KR" altLang="en-US" sz="1600"/>
+              <a:t>기준으로 설명</a:t>
+            </a:r>
+            <a:endParaRPr lang="en-US" altLang="ko-KR" sz="1600"/>
           </a:p>
           <a:p>
             <a:endParaRPr lang="en-US" altLang="ko-KR" sz="2000" dirty="0"/>
@@ -4396,122 +4417,149 @@
             <a:endParaRPr lang="en-US" altLang="ko-KR" sz="2000" dirty="0"/>
           </a:p>
           <a:p>
-            <a:endParaRPr lang="en-US" altLang="ko-KR" sz="2000" dirty="0"/>
-          </a:p>
-          <a:p>
+            <a:pPr marL="0" indent="0">
+              <a:buNone/>
+            </a:pPr>
+            <a:endParaRPr lang="en-US" altLang="ko-KR" sz="2000"/>
+          </a:p>
+          <a:p>
+            <a:endParaRPr lang="en-US" altLang="ko-KR" sz="2000"/>
+          </a:p>
+          <a:p>
+            <a:r>
+              <a:rPr lang="en-US" altLang="ko-KR" sz="2000"/>
+              <a:t>Python 3.11 </a:t>
+            </a:r>
             <a:r>
               <a:rPr lang="en-US" altLang="ko-KR" sz="2000" dirty="0"/>
-              <a:t>Python 3.9 version, 64-Bit Graphical Installer</a:t>
-            </a:r>
-            <a:r>
-              <a:rPr lang="ko-KR" altLang="en-US" sz="2000" dirty="0"/>
+              <a:t>version, 64-Bit Graphical Installer</a:t>
+            </a:r>
+            <a:r>
+              <a:rPr lang="ko-KR" altLang="en-US" sz="2000"/>
               <a:t>를 선택</a:t>
             </a:r>
-            <a:endParaRPr lang="en-US" altLang="ko-KR" sz="2000" dirty="0"/>
           </a:p>
           <a:p>
             <a:pPr lvl="1"/>
             <a:r>
-              <a:rPr lang="en-US" altLang="ko-KR" sz="1600" dirty="0"/>
-              <a:t>32-bit Windows</a:t>
-            </a:r>
-            <a:r>
-              <a:rPr lang="ko-KR" altLang="en-US" sz="1600" dirty="0"/>
-              <a:t>를 쓰고 있으면 </a:t>
-            </a:r>
-            <a:r>
-              <a:rPr lang="en-US" altLang="ko-KR" sz="1600" dirty="0"/>
-              <a:t>32-Bit Graphical Installer</a:t>
-            </a:r>
-            <a:r>
-              <a:rPr lang="ko-KR" altLang="en-US" sz="1600" dirty="0"/>
-              <a:t>를 선택</a:t>
-            </a:r>
-          </a:p>
-        </p:txBody>
-      </p:sp>
-      <p:pic>
-        <p:nvPicPr>
-          <p:cNvPr id="8" name="그림 7">
+              <a:rPr lang="en-US" altLang="ko-KR" sz="1600"/>
+              <a:t>(32-bit</a:t>
+            </a:r>
+            <a:r>
+              <a:rPr lang="ko-KR" altLang="en-US" sz="1600"/>
+              <a:t>는 더 이상 지원되지 않음</a:t>
+            </a:r>
+            <a:r>
+              <a:rPr lang="en-US" altLang="ko-KR" sz="1600"/>
+              <a:t>)</a:t>
+            </a:r>
+            <a:endParaRPr lang="ko-KR" altLang="en-US" sz="1600" dirty="0"/>
+          </a:p>
+        </p:txBody>
+      </p:sp>
+      <p:grpSp>
+        <p:nvGrpSpPr>
+          <p:cNvPr id="6" name="그룹 5">
             <a:extLst>
               <a:ext uri="{FF2B5EF4-FFF2-40B4-BE49-F238E27FC236}">
-                <a16:creationId xmlns:a16="http://schemas.microsoft.com/office/drawing/2014/main" id="{66511785-ED2C-4135-A768-BB4CCFC3AF51}"/>
+                <a16:creationId xmlns:a16="http://schemas.microsoft.com/office/drawing/2014/main" id="{773143A2-75E0-1C98-1D68-AC619C570C75}"/>
               </a:ext>
             </a:extLst>
           </p:cNvPr>
-          <p:cNvPicPr>
-            <a:picLocks noChangeAspect="1"/>
-          </p:cNvPicPr>
+          <p:cNvGrpSpPr/>
           <p:nvPr/>
-        </p:nvPicPr>
-        <p:blipFill>
-          <a:blip r:embed="rId3"/>
-          <a:stretch>
-            <a:fillRect/>
-          </a:stretch>
-        </p:blipFill>
-        <p:spPr>
-          <a:xfrm>
-            <a:off x="1589904" y="2069181"/>
-            <a:ext cx="7773326" cy="3376030"/>
-          </a:xfrm>
-          <a:prstGeom prst="rect">
-            <a:avLst/>
-          </a:prstGeom>
-        </p:spPr>
-      </p:pic>
-      <p:sp>
-        <p:nvSpPr>
-          <p:cNvPr id="9" name="직사각형 8">
-            <a:extLst>
-              <a:ext uri="{FF2B5EF4-FFF2-40B4-BE49-F238E27FC236}">
-                <a16:creationId xmlns:a16="http://schemas.microsoft.com/office/drawing/2014/main" id="{63CC7B1D-2C00-4D27-951E-4A39365B8557}"/>
-              </a:ext>
-            </a:extLst>
-          </p:cNvPr>
-          <p:cNvSpPr/>
-          <p:nvPr/>
-        </p:nvSpPr>
-        <p:spPr>
-          <a:xfrm>
-            <a:off x="1647568" y="3814119"/>
-            <a:ext cx="1911178" cy="222422"/>
-          </a:xfrm>
-          <a:prstGeom prst="rect">
-            <a:avLst/>
-          </a:prstGeom>
-          <a:noFill/>
-          <a:ln>
-            <a:solidFill>
-              <a:srgbClr val="FF0000"/>
-            </a:solidFill>
-          </a:ln>
-        </p:spPr>
-        <p:style>
-          <a:lnRef idx="2">
-            <a:schemeClr val="accent1">
-              <a:shade val="50000"/>
-            </a:schemeClr>
-          </a:lnRef>
-          <a:fillRef idx="1">
-            <a:schemeClr val="accent1"/>
-          </a:fillRef>
-          <a:effectRef idx="0">
-            <a:schemeClr val="accent1"/>
-          </a:effectRef>
-          <a:fontRef idx="minor">
-            <a:schemeClr val="lt1"/>
-          </a:fontRef>
-        </p:style>
-        <p:txBody>
-          <a:bodyPr rtlCol="0" anchor="ctr"/>
-          <a:lstStyle/>
-          <a:p>
-            <a:pPr algn="ctr"/>
-            <a:endParaRPr lang="ko-KR" altLang="en-US"/>
-          </a:p>
-        </p:txBody>
-      </p:sp>
+        </p:nvGrpSpPr>
+        <p:grpSpPr>
+          <a:xfrm>
+            <a:off x="1634067" y="2013381"/>
+            <a:ext cx="7941733" cy="3489952"/>
+            <a:chOff x="3276600" y="2148750"/>
+            <a:chExt cx="8472487" cy="3847237"/>
+          </a:xfrm>
+        </p:grpSpPr>
+        <p:pic>
+          <p:nvPicPr>
+            <p:cNvPr id="5" name="그림 4">
+              <a:extLst>
+                <a:ext uri="{FF2B5EF4-FFF2-40B4-BE49-F238E27FC236}">
+                  <a16:creationId xmlns:a16="http://schemas.microsoft.com/office/drawing/2014/main" id="{1D1D12A3-0576-A359-2C78-D2F42867E1FA}"/>
+                </a:ext>
+              </a:extLst>
+            </p:cNvPr>
+            <p:cNvPicPr>
+              <a:picLocks noChangeAspect="1"/>
+            </p:cNvPicPr>
+            <p:nvPr/>
+          </p:nvPicPr>
+          <p:blipFill>
+            <a:blip r:embed="rId3"/>
+            <a:stretch>
+              <a:fillRect/>
+            </a:stretch>
+          </p:blipFill>
+          <p:spPr>
+            <a:xfrm>
+              <a:off x="3276600" y="2148750"/>
+              <a:ext cx="8472487" cy="3847237"/>
+            </a:xfrm>
+            <a:prstGeom prst="rect">
+              <a:avLst/>
+            </a:prstGeom>
+          </p:spPr>
+        </p:pic>
+        <p:sp>
+          <p:nvSpPr>
+            <p:cNvPr id="9" name="직사각형 8">
+              <a:extLst>
+                <a:ext uri="{FF2B5EF4-FFF2-40B4-BE49-F238E27FC236}">
+                  <a16:creationId xmlns:a16="http://schemas.microsoft.com/office/drawing/2014/main" id="{63CC7B1D-2C00-4D27-951E-4A39365B8557}"/>
+                </a:ext>
+              </a:extLst>
+            </p:cNvPr>
+            <p:cNvSpPr/>
+            <p:nvPr/>
+          </p:nvSpPr>
+          <p:spPr>
+            <a:xfrm>
+              <a:off x="3276600" y="4423718"/>
+              <a:ext cx="2336800" cy="224481"/>
+            </a:xfrm>
+            <a:prstGeom prst="rect">
+              <a:avLst/>
+            </a:prstGeom>
+            <a:noFill/>
+            <a:ln>
+              <a:solidFill>
+                <a:srgbClr val="FF0000"/>
+              </a:solidFill>
+            </a:ln>
+          </p:spPr>
+          <p:style>
+            <a:lnRef idx="2">
+              <a:schemeClr val="accent1">
+                <a:shade val="50000"/>
+              </a:schemeClr>
+            </a:lnRef>
+            <a:fillRef idx="1">
+              <a:schemeClr val="accent1"/>
+            </a:fillRef>
+            <a:effectRef idx="0">
+              <a:schemeClr val="accent1"/>
+            </a:effectRef>
+            <a:fontRef idx="minor">
+              <a:schemeClr val="lt1"/>
+            </a:fontRef>
+          </p:style>
+          <p:txBody>
+            <a:bodyPr rtlCol="0" anchor="ctr"/>
+            <a:lstStyle/>
+            <a:p>
+              <a:pPr algn="ctr"/>
+              <a:endParaRPr lang="ko-KR" altLang="en-US"/>
+            </a:p>
+          </p:txBody>
+        </p:sp>
+      </p:grpSp>
     </p:spTree>
     <p:extLst>
       <p:ext uri="{BB962C8B-B14F-4D97-AF65-F5344CB8AC3E}">
@@ -4648,88 +4696,109 @@
           </a:p>
         </p:txBody>
       </p:sp>
-      <p:pic>
-        <p:nvPicPr>
-          <p:cNvPr id="4" name="그림 3">
+      <p:grpSp>
+        <p:nvGrpSpPr>
+          <p:cNvPr id="9" name="그룹 8">
             <a:extLst>
               <a:ext uri="{FF2B5EF4-FFF2-40B4-BE49-F238E27FC236}">
-                <a16:creationId xmlns:a16="http://schemas.microsoft.com/office/drawing/2014/main" id="{FD2D03D6-D205-401D-821A-0619E5E666F1}"/>
+                <a16:creationId xmlns:a16="http://schemas.microsoft.com/office/drawing/2014/main" id="{2485A130-F9F2-6A25-6B67-39C06AEAD517}"/>
               </a:ext>
             </a:extLst>
           </p:cNvPr>
-          <p:cNvPicPr>
-            <a:picLocks noChangeAspect="1"/>
-          </p:cNvPicPr>
+          <p:cNvGrpSpPr/>
           <p:nvPr/>
-        </p:nvPicPr>
-        <p:blipFill>
-          <a:blip r:embed="rId2"/>
-          <a:stretch>
-            <a:fillRect/>
-          </a:stretch>
-        </p:blipFill>
-        <p:spPr>
-          <a:xfrm>
-            <a:off x="2512539" y="2295065"/>
-            <a:ext cx="6958399" cy="4461335"/>
-          </a:xfrm>
-          <a:prstGeom prst="rect">
-            <a:avLst/>
-          </a:prstGeom>
-        </p:spPr>
-      </p:pic>
-      <p:sp>
-        <p:nvSpPr>
-          <p:cNvPr id="7" name="직사각형 6">
-            <a:extLst>
-              <a:ext uri="{FF2B5EF4-FFF2-40B4-BE49-F238E27FC236}">
-                <a16:creationId xmlns:a16="http://schemas.microsoft.com/office/drawing/2014/main" id="{5DDE4C01-B1AD-4BFC-A420-2472558E31CE}"/>
-              </a:ext>
-            </a:extLst>
-          </p:cNvPr>
-          <p:cNvSpPr/>
-          <p:nvPr/>
-        </p:nvSpPr>
-        <p:spPr>
-          <a:xfrm>
-            <a:off x="4744995" y="4810897"/>
-            <a:ext cx="1367481" cy="164757"/>
-          </a:xfrm>
-          <a:prstGeom prst="rect">
-            <a:avLst/>
-          </a:prstGeom>
-          <a:noFill/>
-          <a:ln>
-            <a:solidFill>
-              <a:srgbClr val="FF0000"/>
-            </a:solidFill>
-          </a:ln>
-        </p:spPr>
-        <p:style>
-          <a:lnRef idx="2">
-            <a:schemeClr val="accent1">
-              <a:shade val="50000"/>
-            </a:schemeClr>
-          </a:lnRef>
-          <a:fillRef idx="1">
-            <a:schemeClr val="accent1"/>
-          </a:fillRef>
-          <a:effectRef idx="0">
-            <a:schemeClr val="accent1"/>
-          </a:effectRef>
-          <a:fontRef idx="minor">
-            <a:schemeClr val="lt1"/>
-          </a:fontRef>
-        </p:style>
-        <p:txBody>
-          <a:bodyPr rtlCol="0" anchor="ctr"/>
-          <a:lstStyle/>
-          <a:p>
-            <a:pPr algn="ctr"/>
-            <a:endParaRPr lang="ko-KR" altLang="en-US"/>
-          </a:p>
-        </p:txBody>
-      </p:sp>
+        </p:nvGrpSpPr>
+        <p:grpSpPr>
+          <a:xfrm>
+            <a:off x="2182483" y="2432648"/>
+            <a:ext cx="6375548" cy="4164322"/>
+            <a:chOff x="-474704" y="1735721"/>
+            <a:chExt cx="7040033" cy="4783612"/>
+          </a:xfrm>
+        </p:grpSpPr>
+        <p:pic>
+          <p:nvPicPr>
+            <p:cNvPr id="8" name="그림 7">
+              <a:extLst>
+                <a:ext uri="{FF2B5EF4-FFF2-40B4-BE49-F238E27FC236}">
+                  <a16:creationId xmlns:a16="http://schemas.microsoft.com/office/drawing/2014/main" id="{A04D3A5E-149D-22CF-D86D-0ECD14087013}"/>
+                </a:ext>
+              </a:extLst>
+            </p:cNvPr>
+            <p:cNvPicPr>
+              <a:picLocks noChangeAspect="1"/>
+            </p:cNvPicPr>
+            <p:nvPr/>
+          </p:nvPicPr>
+          <p:blipFill>
+            <a:blip r:embed="rId2"/>
+            <a:stretch>
+              <a:fillRect/>
+            </a:stretch>
+          </p:blipFill>
+          <p:spPr>
+            <a:xfrm>
+              <a:off x="-474704" y="1735721"/>
+              <a:ext cx="7040033" cy="4783612"/>
+            </a:xfrm>
+            <a:prstGeom prst="rect">
+              <a:avLst/>
+            </a:prstGeom>
+          </p:spPr>
+        </p:pic>
+        <p:sp>
+          <p:nvSpPr>
+            <p:cNvPr id="7" name="직사각형 6">
+              <a:extLst>
+                <a:ext uri="{FF2B5EF4-FFF2-40B4-BE49-F238E27FC236}">
+                  <a16:creationId xmlns:a16="http://schemas.microsoft.com/office/drawing/2014/main" id="{5DDE4C01-B1AD-4BFC-A420-2472558E31CE}"/>
+                </a:ext>
+              </a:extLst>
+            </p:cNvPr>
+            <p:cNvSpPr/>
+            <p:nvPr/>
+          </p:nvSpPr>
+          <p:spPr>
+            <a:xfrm>
+              <a:off x="2084545" y="4653738"/>
+              <a:ext cx="1655805" cy="175970"/>
+            </a:xfrm>
+            <a:prstGeom prst="rect">
+              <a:avLst/>
+            </a:prstGeom>
+            <a:noFill/>
+            <a:ln>
+              <a:solidFill>
+                <a:srgbClr val="FF0000"/>
+              </a:solidFill>
+            </a:ln>
+          </p:spPr>
+          <p:style>
+            <a:lnRef idx="2">
+              <a:schemeClr val="accent1">
+                <a:shade val="50000"/>
+              </a:schemeClr>
+            </a:lnRef>
+            <a:fillRef idx="1">
+              <a:schemeClr val="accent1"/>
+            </a:fillRef>
+            <a:effectRef idx="0">
+              <a:schemeClr val="accent1"/>
+            </a:effectRef>
+            <a:fontRef idx="minor">
+              <a:schemeClr val="lt1"/>
+            </a:fontRef>
+          </p:style>
+          <p:txBody>
+            <a:bodyPr rtlCol="0" anchor="ctr"/>
+            <a:lstStyle/>
+            <a:p>
+              <a:pPr algn="ctr"/>
+              <a:endParaRPr lang="ko-KR" altLang="en-US"/>
+            </a:p>
+          </p:txBody>
+        </p:sp>
+      </p:grpSp>
     </p:spTree>
     <p:extLst>
       <p:ext uri="{BB962C8B-B14F-4D97-AF65-F5344CB8AC3E}">
@@ -4824,8 +4893,8 @@
           <a:lstStyle/>
           <a:p>
             <a:r>
-              <a:rPr lang="en-US" altLang="ko-KR" dirty="0"/>
-              <a:t>Anaconda3-2021.11-Windows-x86_64 </a:t>
+              <a:rPr lang="en-US" altLang="ko-KR"/>
+              <a:t>Anaconda3-2023.09-Windows-x86_64.exe </a:t>
             </a:r>
             <a:r>
               <a:rPr lang="ko-KR" altLang="en-US" dirty="0"/>
@@ -4865,10 +4934,10 @@
       </p:sp>
       <p:pic>
         <p:nvPicPr>
-          <p:cNvPr id="5" name="그림 4">
+          <p:cNvPr id="6" name="그림 5">
             <a:extLst>
               <a:ext uri="{FF2B5EF4-FFF2-40B4-BE49-F238E27FC236}">
-                <a16:creationId xmlns:a16="http://schemas.microsoft.com/office/drawing/2014/main" id="{32FC751F-2A18-4E83-8BBB-B2AD961A8013}"/>
+                <a16:creationId xmlns:a16="http://schemas.microsoft.com/office/drawing/2014/main" id="{6896F87D-AA09-49A1-DF2F-67625543988D}"/>
               </a:ext>
             </a:extLst>
           </p:cNvPr>
@@ -4885,8 +4954,8 @@
         </p:blipFill>
         <p:spPr>
           <a:xfrm>
-            <a:off x="3700462" y="2329506"/>
-            <a:ext cx="4791075" cy="3714750"/>
+            <a:off x="3812605" y="2252213"/>
+            <a:ext cx="4791075" cy="3733800"/>
           </a:xfrm>
           <a:prstGeom prst="rect">
             <a:avLst/>
@@ -5095,10 +5164,10 @@
       </p:sp>
       <p:pic>
         <p:nvPicPr>
-          <p:cNvPr id="4" name="그림 3">
+          <p:cNvPr id="6" name="그림 5">
             <a:extLst>
               <a:ext uri="{FF2B5EF4-FFF2-40B4-BE49-F238E27FC236}">
-                <a16:creationId xmlns:a16="http://schemas.microsoft.com/office/drawing/2014/main" id="{9B1060C5-1860-4F3A-9CEF-AD931FB67EB9}"/>
+                <a16:creationId xmlns:a16="http://schemas.microsoft.com/office/drawing/2014/main" id="{1E0A0077-D07C-233E-1872-0913475EBC4F}"/>
               </a:ext>
             </a:extLst>
           </p:cNvPr>
@@ -5115,8 +5184,8 @@
         </p:blipFill>
         <p:spPr>
           <a:xfrm>
-            <a:off x="3705225" y="2926106"/>
-            <a:ext cx="4781550" cy="3724275"/>
+            <a:off x="3719512" y="2911475"/>
+            <a:ext cx="4752975" cy="3676650"/>
           </a:xfrm>
           <a:prstGeom prst="rect">
             <a:avLst/>
@@ -5233,7 +5302,11 @@
             <a:pPr lvl="1"/>
             <a:r>
               <a:rPr lang="en-US" altLang="ko-KR" dirty="0"/>
-              <a:t>“Register Anaconda as my default Python 3.9”</a:t>
+              <a:t>“Register Anaconda as my default </a:t>
+            </a:r>
+            <a:r>
+              <a:rPr lang="en-US" altLang="ko-KR"/>
+              <a:t>Python 3.11”</a:t>
             </a:r>
             <a:r>
               <a:rPr lang="ko-KR" altLang="en-US" dirty="0"/>
@@ -5265,10 +5338,10 @@
       </p:sp>
       <p:pic>
         <p:nvPicPr>
-          <p:cNvPr id="3" name="그림 2">
+          <p:cNvPr id="5" name="그림 4">
             <a:extLst>
               <a:ext uri="{FF2B5EF4-FFF2-40B4-BE49-F238E27FC236}">
-                <a16:creationId xmlns:a16="http://schemas.microsoft.com/office/drawing/2014/main" id="{4EC8AC03-CF25-4D08-905C-D9872E287618}"/>
+                <a16:creationId xmlns:a16="http://schemas.microsoft.com/office/drawing/2014/main" id="{64AD8B09-871D-7E2A-F59B-18331BA86AD1}"/>
               </a:ext>
             </a:extLst>
           </p:cNvPr>
@@ -5285,8 +5358,8 @@
         </p:blipFill>
         <p:spPr>
           <a:xfrm>
-            <a:off x="6096000" y="2481263"/>
-            <a:ext cx="4781550" cy="3695700"/>
+            <a:off x="5365750" y="2670705"/>
+            <a:ext cx="4762500" cy="3743325"/>
           </a:xfrm>
           <a:prstGeom prst="rect">
             <a:avLst/>
